--- a/Final/spaces.pptx
+++ b/Final/spaces.pptx
@@ -5,15 +5,14 @@
     <p:sldMasterId id="2147483648" r:id="rId1"/>
   </p:sldMasterIdLst>
   <p:sldIdLst>
-    <p:sldId id="264" r:id="rId2"/>
-    <p:sldId id="263" r:id="rId3"/>
-    <p:sldId id="258" r:id="rId4"/>
+    <p:sldId id="268" r:id="rId2"/>
+    <p:sldId id="266" r:id="rId3"/>
+    <p:sldId id="267" r:id="rId4"/>
     <p:sldId id="259" r:id="rId5"/>
-    <p:sldId id="257" r:id="rId6"/>
+    <p:sldId id="262" r:id="rId6"/>
     <p:sldId id="260" r:id="rId7"/>
     <p:sldId id="261" r:id="rId8"/>
-    <p:sldId id="262" r:id="rId9"/>
-    <p:sldId id="265" r:id="rId10"/>
+    <p:sldId id="265" r:id="rId9"/>
   </p:sldIdLst>
   <p:sldSz cx="12192000" cy="6858000"/>
   <p:notesSz cx="6858000" cy="9144000"/>
@@ -112,6 +111,11 @@
       </a:defRPr>
     </a:lvl9pPr>
   </p:defaultTextStyle>
+  <p:extLst>
+    <p:ext uri="{EFAFB233-063F-42B5-8137-9DF3F51BA10A}">
+      <p15:sldGuideLst xmlns:p15="http://schemas.microsoft.com/office/powerpoint/2012/main"/>
+    </p:ext>
+  </p:extLst>
 </p:presentation>
 </file>
 
@@ -262,7 +266,7 @@
           <a:p>
             <a:fld id="{0251CBA6-A6DA-0C41-A12A-A469CFF5CB55}" type="datetimeFigureOut">
               <a:rPr lang="en-US" smtClean="0"/>
-              <a:t>4/21/24</a:t>
+              <a:t>4/22/24</a:t>
             </a:fld>
             <a:endParaRPr lang="en-US"/>
           </a:p>
@@ -460,7 +464,7 @@
           <a:p>
             <a:fld id="{0251CBA6-A6DA-0C41-A12A-A469CFF5CB55}" type="datetimeFigureOut">
               <a:rPr lang="en-US" smtClean="0"/>
-              <a:t>4/21/24</a:t>
+              <a:t>4/22/24</a:t>
             </a:fld>
             <a:endParaRPr lang="en-US"/>
           </a:p>
@@ -668,7 +672,7 @@
           <a:p>
             <a:fld id="{0251CBA6-A6DA-0C41-A12A-A469CFF5CB55}" type="datetimeFigureOut">
               <a:rPr lang="en-US" smtClean="0"/>
-              <a:t>4/21/24</a:t>
+              <a:t>4/22/24</a:t>
             </a:fld>
             <a:endParaRPr lang="en-US"/>
           </a:p>
@@ -866,7 +870,7 @@
           <a:p>
             <a:fld id="{0251CBA6-A6DA-0C41-A12A-A469CFF5CB55}" type="datetimeFigureOut">
               <a:rPr lang="en-US" smtClean="0"/>
-              <a:t>4/21/24</a:t>
+              <a:t>4/22/24</a:t>
             </a:fld>
             <a:endParaRPr lang="en-US"/>
           </a:p>
@@ -1141,7 +1145,7 @@
           <a:p>
             <a:fld id="{0251CBA6-A6DA-0C41-A12A-A469CFF5CB55}" type="datetimeFigureOut">
               <a:rPr lang="en-US" smtClean="0"/>
-              <a:t>4/21/24</a:t>
+              <a:t>4/22/24</a:t>
             </a:fld>
             <a:endParaRPr lang="en-US"/>
           </a:p>
@@ -1406,7 +1410,7 @@
           <a:p>
             <a:fld id="{0251CBA6-A6DA-0C41-A12A-A469CFF5CB55}" type="datetimeFigureOut">
               <a:rPr lang="en-US" smtClean="0"/>
-              <a:t>4/21/24</a:t>
+              <a:t>4/22/24</a:t>
             </a:fld>
             <a:endParaRPr lang="en-US"/>
           </a:p>
@@ -1818,7 +1822,7 @@
           <a:p>
             <a:fld id="{0251CBA6-A6DA-0C41-A12A-A469CFF5CB55}" type="datetimeFigureOut">
               <a:rPr lang="en-US" smtClean="0"/>
-              <a:t>4/21/24</a:t>
+              <a:t>4/22/24</a:t>
             </a:fld>
             <a:endParaRPr lang="en-US"/>
           </a:p>
@@ -1959,7 +1963,7 @@
           <a:p>
             <a:fld id="{0251CBA6-A6DA-0C41-A12A-A469CFF5CB55}" type="datetimeFigureOut">
               <a:rPr lang="en-US" smtClean="0"/>
-              <a:t>4/21/24</a:t>
+              <a:t>4/22/24</a:t>
             </a:fld>
             <a:endParaRPr lang="en-US"/>
           </a:p>
@@ -2072,7 +2076,7 @@
           <a:p>
             <a:fld id="{0251CBA6-A6DA-0C41-A12A-A469CFF5CB55}" type="datetimeFigureOut">
               <a:rPr lang="en-US" smtClean="0"/>
-              <a:t>4/21/24</a:t>
+              <a:t>4/22/24</a:t>
             </a:fld>
             <a:endParaRPr lang="en-US"/>
           </a:p>
@@ -2383,7 +2387,7 @@
           <a:p>
             <a:fld id="{0251CBA6-A6DA-0C41-A12A-A469CFF5CB55}" type="datetimeFigureOut">
               <a:rPr lang="en-US" smtClean="0"/>
-              <a:t>4/21/24</a:t>
+              <a:t>4/22/24</a:t>
             </a:fld>
             <a:endParaRPr lang="en-US"/>
           </a:p>
@@ -2671,7 +2675,7 @@
           <a:p>
             <a:fld id="{0251CBA6-A6DA-0C41-A12A-A469CFF5CB55}" type="datetimeFigureOut">
               <a:rPr lang="en-US" smtClean="0"/>
-              <a:t>4/21/24</a:t>
+              <a:t>4/22/24</a:t>
             </a:fld>
             <a:endParaRPr lang="en-US"/>
           </a:p>
@@ -2912,7 +2916,7 @@
           <a:p>
             <a:fld id="{0251CBA6-A6DA-0C41-A12A-A469CFF5CB55}" type="datetimeFigureOut">
               <a:rPr lang="en-US" smtClean="0"/>
-              <a:t>4/21/24</a:t>
+              <a:t>4/22/24</a:t>
             </a:fld>
             <a:endParaRPr lang="en-US"/>
           </a:p>
@@ -3334,7 +3338,7 @@
           <p:cNvPr id="2" name="Title 1">
             <a:extLst>
               <a:ext uri="{FF2B5EF4-FFF2-40B4-BE49-F238E27FC236}">
-                <a16:creationId xmlns:a16="http://schemas.microsoft.com/office/drawing/2014/main" id="{BFE632EB-E902-64DA-422A-23E0B20639C6}"/>
+                <a16:creationId xmlns:a16="http://schemas.microsoft.com/office/drawing/2014/main" id="{5D9EBE9A-9FED-A770-10CE-04EE4B98FF71}"/>
               </a:ext>
             </a:extLst>
           </p:cNvPr>
@@ -3350,19 +3354,16 @@
           <a:bodyPr/>
           <a:lstStyle/>
           <a:p>
-            <a:r>
-              <a:rPr lang="en-US" dirty="0"/>
-              <a:t>  </a:t>
-            </a:r>
+            <a:endParaRPr lang="en-US"/>
           </a:p>
         </p:txBody>
       </p:sp>
       <p:pic>
         <p:nvPicPr>
-          <p:cNvPr id="9" name="Content Placeholder 8" descr="A screenshot of a computer&#10;&#10;Description automatically generated">
-            <a:extLst>
-              <a:ext uri="{FF2B5EF4-FFF2-40B4-BE49-F238E27FC236}">
-                <a16:creationId xmlns:a16="http://schemas.microsoft.com/office/drawing/2014/main" id="{9CDCF8E4-6FF4-BE73-63AD-9338B8F095D7}"/>
+          <p:cNvPr id="4" name="Content Placeholder 3" descr="A screenshot of a computer&#10;&#10;Description automatically generated">
+            <a:extLst>
+              <a:ext uri="{FF2B5EF4-FFF2-40B4-BE49-F238E27FC236}">
+                <a16:creationId xmlns:a16="http://schemas.microsoft.com/office/drawing/2014/main" id="{7F5960CE-D5FD-1C90-6487-9BC2AC3445C4}"/>
               </a:ext>
             </a:extLst>
           </p:cNvPr>
@@ -3381,15 +3382,18 @@
         </p:blipFill>
         <p:spPr>
           <a:xfrm>
-            <a:off x="2115573" y="1027906"/>
-            <a:ext cx="8542334" cy="4351338"/>
+            <a:off x="346014" y="210205"/>
+            <a:ext cx="11456202" cy="6282669"/>
           </a:xfrm>
+          <a:prstGeom prst="rect">
+            <a:avLst/>
+          </a:prstGeom>
         </p:spPr>
       </p:pic>
     </p:spTree>
     <p:extLst>
       <p:ext uri="{BB962C8B-B14F-4D97-AF65-F5344CB8AC3E}">
-        <p14:creationId xmlns:p14="http://schemas.microsoft.com/office/powerpoint/2010/main" val="3993942698"/>
+        <p14:creationId xmlns:p14="http://schemas.microsoft.com/office/powerpoint/2010/main" val="3424983063"/>
       </p:ext>
     </p:extLst>
   </p:cSld>
@@ -3421,7 +3425,7 @@
           <p:cNvPr id="2" name="Title 1">
             <a:extLst>
               <a:ext uri="{FF2B5EF4-FFF2-40B4-BE49-F238E27FC236}">
-                <a16:creationId xmlns:a16="http://schemas.microsoft.com/office/drawing/2014/main" id="{ABFA8B2A-95A2-154C-749C-29154466A9B0}"/>
+                <a16:creationId xmlns:a16="http://schemas.microsoft.com/office/drawing/2014/main" id="{3C8A2125-83EE-A693-7CFC-A402582A849A}"/>
               </a:ext>
             </a:extLst>
           </p:cNvPr>
@@ -3437,10 +3441,7 @@
           <a:bodyPr/>
           <a:lstStyle/>
           <a:p>
-            <a:r>
-              <a:rPr lang="en-US" dirty="0"/>
-              <a:t> </a:t>
-            </a:r>
+            <a:endParaRPr lang="en-US"/>
           </a:p>
         </p:txBody>
       </p:sp>
@@ -3449,7 +3450,7 @@
           <p:cNvPr id="5" name="Content Placeholder 4" descr="A screenshot of a computer&#10;&#10;Description automatically generated">
             <a:extLst>
               <a:ext uri="{FF2B5EF4-FFF2-40B4-BE49-F238E27FC236}">
-                <a16:creationId xmlns:a16="http://schemas.microsoft.com/office/drawing/2014/main" id="{73AD04C6-C068-9777-6AE4-067A9182514E}"/>
+                <a16:creationId xmlns:a16="http://schemas.microsoft.com/office/drawing/2014/main" id="{CA5A3ADD-E13E-B2F1-EB2C-624485B9B6F8}"/>
               </a:ext>
             </a:extLst>
           </p:cNvPr>
@@ -3468,15 +3469,15 @@
         </p:blipFill>
         <p:spPr>
           <a:xfrm>
-            <a:off x="1507895" y="164899"/>
-            <a:ext cx="8153421" cy="5917471"/>
+            <a:off x="633526" y="291553"/>
+            <a:ext cx="11284361" cy="5811838"/>
           </a:xfrm>
         </p:spPr>
       </p:pic>
     </p:spTree>
     <p:extLst>
       <p:ext uri="{BB962C8B-B14F-4D97-AF65-F5344CB8AC3E}">
-        <p14:creationId xmlns:p14="http://schemas.microsoft.com/office/powerpoint/2010/main" val="377285013"/>
+        <p14:creationId xmlns:p14="http://schemas.microsoft.com/office/powerpoint/2010/main" val="2520081511"/>
       </p:ext>
     </p:extLst>
   </p:cSld>
@@ -3508,7 +3509,7 @@
           <p:cNvPr id="2" name="Title 1">
             <a:extLst>
               <a:ext uri="{FF2B5EF4-FFF2-40B4-BE49-F238E27FC236}">
-                <a16:creationId xmlns:a16="http://schemas.microsoft.com/office/drawing/2014/main" id="{A4ED497C-BB27-1140-45B0-CDEA43C0AE66}"/>
+                <a16:creationId xmlns:a16="http://schemas.microsoft.com/office/drawing/2014/main" id="{454ECCA0-F9A7-E3E3-E6C3-A591850DB476}"/>
               </a:ext>
             </a:extLst>
           </p:cNvPr>
@@ -3524,19 +3525,16 @@
           <a:bodyPr/>
           <a:lstStyle/>
           <a:p>
-            <a:r>
-              <a:rPr lang="en-US" dirty="0"/>
-              <a:t>  </a:t>
-            </a:r>
+            <a:endParaRPr lang="en-US"/>
           </a:p>
         </p:txBody>
       </p:sp>
       <p:pic>
         <p:nvPicPr>
-          <p:cNvPr id="5" name="Content Placeholder 4" descr="A screenshot of a computer&#10;&#10;Description automatically generated">
-            <a:extLst>
-              <a:ext uri="{FF2B5EF4-FFF2-40B4-BE49-F238E27FC236}">
-                <a16:creationId xmlns:a16="http://schemas.microsoft.com/office/drawing/2014/main" id="{948D6BE1-5145-5B83-A2ED-B1216690E686}"/>
+          <p:cNvPr id="9" name="Content Placeholder 8" descr="A screenshot of a computer&#10;&#10;Description automatically generated">
+            <a:extLst>
+              <a:ext uri="{FF2B5EF4-FFF2-40B4-BE49-F238E27FC236}">
+                <a16:creationId xmlns:a16="http://schemas.microsoft.com/office/drawing/2014/main" id="{D6818EEE-E0E4-895C-0216-6779A7731197}"/>
               </a:ext>
             </a:extLst>
           </p:cNvPr>
@@ -3555,15 +3553,15 @@
         </p:blipFill>
         <p:spPr>
           <a:xfrm>
-            <a:off x="1771698" y="365125"/>
-            <a:ext cx="8215229" cy="5811838"/>
+            <a:off x="568923" y="365125"/>
+            <a:ext cx="11230916" cy="5688834"/>
           </a:xfrm>
         </p:spPr>
       </p:pic>
     </p:spTree>
     <p:extLst>
       <p:ext uri="{BB962C8B-B14F-4D97-AF65-F5344CB8AC3E}">
-        <p14:creationId xmlns:p14="http://schemas.microsoft.com/office/powerpoint/2010/main" val="1124606837"/>
+        <p14:creationId xmlns:p14="http://schemas.microsoft.com/office/powerpoint/2010/main" val="296051744"/>
       </p:ext>
     </p:extLst>
   </p:cSld>
@@ -3620,10 +3618,10 @@
       </p:sp>
       <p:pic>
         <p:nvPicPr>
-          <p:cNvPr id="5" name="Content Placeholder 4" descr="A screenshot of a computer&#10;&#10;Description automatically generated">
-            <a:extLst>
-              <a:ext uri="{FF2B5EF4-FFF2-40B4-BE49-F238E27FC236}">
-                <a16:creationId xmlns:a16="http://schemas.microsoft.com/office/drawing/2014/main" id="{7E5567AF-BD45-D604-CC7C-B906B8B79FB0}"/>
+          <p:cNvPr id="11" name="Content Placeholder 10" descr="A screenshot of a computer&#10;&#10;Description automatically generated">
+            <a:extLst>
+              <a:ext uri="{FF2B5EF4-FFF2-40B4-BE49-F238E27FC236}">
+                <a16:creationId xmlns:a16="http://schemas.microsoft.com/office/drawing/2014/main" id="{5552F13F-78E9-B1EA-F371-03BD0B768695}"/>
               </a:ext>
             </a:extLst>
           </p:cNvPr>
@@ -3642,8 +3640,8 @@
         </p:blipFill>
         <p:spPr>
           <a:xfrm>
-            <a:off x="1267977" y="365125"/>
-            <a:ext cx="7716828" cy="5811838"/>
+            <a:off x="831167" y="599089"/>
+            <a:ext cx="9915623" cy="5325625"/>
           </a:xfrm>
         </p:spPr>
       </p:pic>
@@ -3682,7 +3680,7 @@
           <p:cNvPr id="2" name="Title 1">
             <a:extLst>
               <a:ext uri="{FF2B5EF4-FFF2-40B4-BE49-F238E27FC236}">
-                <a16:creationId xmlns:a16="http://schemas.microsoft.com/office/drawing/2014/main" id="{DFC27D56-78AF-C750-8DC6-95B9898BBB26}"/>
+                <a16:creationId xmlns:a16="http://schemas.microsoft.com/office/drawing/2014/main" id="{CA03DBCE-7583-29F7-BC3D-7E17442D8CAA}"/>
               </a:ext>
             </a:extLst>
           </p:cNvPr>
@@ -3700,17 +3698,17 @@
           <a:p>
             <a:r>
               <a:rPr lang="en-US" dirty="0"/>
-              <a:t>   </a:t>
+              <a:t> </a:t>
             </a:r>
           </a:p>
         </p:txBody>
       </p:sp>
       <p:pic>
         <p:nvPicPr>
-          <p:cNvPr id="5" name="Content Placeholder 4" descr="A screenshot of a computer&#10;&#10;Description automatically generated">
-            <a:extLst>
-              <a:ext uri="{FF2B5EF4-FFF2-40B4-BE49-F238E27FC236}">
-                <a16:creationId xmlns:a16="http://schemas.microsoft.com/office/drawing/2014/main" id="{23262C0B-7294-B80F-8928-D3E362BA3ADF}"/>
+          <p:cNvPr id="11" name="Content Placeholder 10" descr="A screenshot of a computer&#10;&#10;Description automatically generated">
+            <a:extLst>
+              <a:ext uri="{FF2B5EF4-FFF2-40B4-BE49-F238E27FC236}">
+                <a16:creationId xmlns:a16="http://schemas.microsoft.com/office/drawing/2014/main" id="{2215C965-6303-0762-6AFC-AD89C718B4DB}"/>
               </a:ext>
             </a:extLst>
           </p:cNvPr>
@@ -3729,15 +3727,15 @@
         </p:blipFill>
         <p:spPr>
           <a:xfrm>
-            <a:off x="1495168" y="0"/>
-            <a:ext cx="8921578" cy="6807579"/>
+            <a:off x="458169" y="365125"/>
+            <a:ext cx="11275661" cy="5811838"/>
           </a:xfrm>
         </p:spPr>
       </p:pic>
     </p:spTree>
     <p:extLst>
       <p:ext uri="{BB962C8B-B14F-4D97-AF65-F5344CB8AC3E}">
-        <p14:creationId xmlns:p14="http://schemas.microsoft.com/office/powerpoint/2010/main" val="2016043296"/>
+        <p14:creationId xmlns:p14="http://schemas.microsoft.com/office/powerpoint/2010/main" val="3512857148"/>
       </p:ext>
     </p:extLst>
   </p:cSld>
@@ -3794,10 +3792,10 @@
       </p:sp>
       <p:pic>
         <p:nvPicPr>
-          <p:cNvPr id="5" name="Content Placeholder 4" descr="A screenshot of a computer&#10;&#10;Description automatically generated">
-            <a:extLst>
-              <a:ext uri="{FF2B5EF4-FFF2-40B4-BE49-F238E27FC236}">
-                <a16:creationId xmlns:a16="http://schemas.microsoft.com/office/drawing/2014/main" id="{1ADDA9B3-2755-3E98-6B17-483A06D6C32B}"/>
+          <p:cNvPr id="7" name="Content Placeholder 6" descr="A screenshot of a computer&#10;&#10;Description automatically generated">
+            <a:extLst>
+              <a:ext uri="{FF2B5EF4-FFF2-40B4-BE49-F238E27FC236}">
+                <a16:creationId xmlns:a16="http://schemas.microsoft.com/office/drawing/2014/main" id="{1B6A5BC6-D9EC-8CF4-5658-63FA39AFA593}"/>
               </a:ext>
             </a:extLst>
           </p:cNvPr>
@@ -3816,8 +3814,8 @@
         </p:blipFill>
         <p:spPr>
           <a:xfrm>
-            <a:off x="1727038" y="278627"/>
-            <a:ext cx="7476850" cy="5811838"/>
+            <a:off x="838200" y="459280"/>
+            <a:ext cx="10748756" cy="5647231"/>
           </a:xfrm>
         </p:spPr>
       </p:pic>
@@ -3881,10 +3879,10 @@
       </p:sp>
       <p:pic>
         <p:nvPicPr>
-          <p:cNvPr id="5" name="Content Placeholder 4" descr="A screenshot of a computer&#10;&#10;Description automatically generated">
-            <a:extLst>
-              <a:ext uri="{FF2B5EF4-FFF2-40B4-BE49-F238E27FC236}">
-                <a16:creationId xmlns:a16="http://schemas.microsoft.com/office/drawing/2014/main" id="{BDFB7746-5DA4-33EA-1708-D4F1699722C2}"/>
+          <p:cNvPr id="7" name="Content Placeholder 6" descr="A screenshot of a computer&#10;&#10;Description automatically generated">
+            <a:extLst>
+              <a:ext uri="{FF2B5EF4-FFF2-40B4-BE49-F238E27FC236}">
+                <a16:creationId xmlns:a16="http://schemas.microsoft.com/office/drawing/2014/main" id="{5FD4F964-A45C-E0B2-5C22-FC99CCE8E6DF}"/>
               </a:ext>
             </a:extLst>
           </p:cNvPr>
@@ -3903,8 +3901,8 @@
         </p:blipFill>
         <p:spPr>
           <a:xfrm>
-            <a:off x="1721499" y="222421"/>
-            <a:ext cx="7876736" cy="5966898"/>
+            <a:off x="651338" y="365125"/>
+            <a:ext cx="10551757" cy="5475507"/>
           </a:xfrm>
         </p:spPr>
       </p:pic>
@@ -3943,7 +3941,7 @@
           <p:cNvPr id="2" name="Title 1">
             <a:extLst>
               <a:ext uri="{FF2B5EF4-FFF2-40B4-BE49-F238E27FC236}">
-                <a16:creationId xmlns:a16="http://schemas.microsoft.com/office/drawing/2014/main" id="{CA03DBCE-7583-29F7-BC3D-7E17442D8CAA}"/>
+                <a16:creationId xmlns:a16="http://schemas.microsoft.com/office/drawing/2014/main" id="{FC2ED3C3-8647-BFA3-A970-8035BE2AA64C}"/>
               </a:ext>
             </a:extLst>
           </p:cNvPr>
@@ -3959,19 +3957,16 @@
           <a:bodyPr/>
           <a:lstStyle/>
           <a:p>
-            <a:r>
-              <a:rPr lang="en-US" dirty="0"/>
-              <a:t> </a:t>
-            </a:r>
+            <a:endParaRPr lang="en-US"/>
           </a:p>
         </p:txBody>
       </p:sp>
       <p:pic>
         <p:nvPicPr>
-          <p:cNvPr id="5" name="Content Placeholder 4" descr="A screenshot of a chat&#10;&#10;Description automatically generated">
-            <a:extLst>
-              <a:ext uri="{FF2B5EF4-FFF2-40B4-BE49-F238E27FC236}">
-                <a16:creationId xmlns:a16="http://schemas.microsoft.com/office/drawing/2014/main" id="{7303B341-00C8-47B4-B109-B169E8DEC4C1}"/>
+          <p:cNvPr id="9" name="Content Placeholder 8" descr="A screenshot of a computer&#10;&#10;Description automatically generated">
+            <a:extLst>
+              <a:ext uri="{FF2B5EF4-FFF2-40B4-BE49-F238E27FC236}">
+                <a16:creationId xmlns:a16="http://schemas.microsoft.com/office/drawing/2014/main" id="{E1822279-2F19-4720-1BE0-A797112A7219}"/>
               </a:ext>
             </a:extLst>
           </p:cNvPr>
@@ -3990,113 +3985,15 @@
         </p:blipFill>
         <p:spPr>
           <a:xfrm>
-            <a:off x="1371600" y="467544"/>
-            <a:ext cx="8229600" cy="6198615"/>
+            <a:off x="349969" y="239001"/>
+            <a:ext cx="11218399" cy="5811838"/>
           </a:xfrm>
         </p:spPr>
       </p:pic>
     </p:spTree>
     <p:extLst>
       <p:ext uri="{BB962C8B-B14F-4D97-AF65-F5344CB8AC3E}">
-        <p14:creationId xmlns:p14="http://schemas.microsoft.com/office/powerpoint/2010/main" val="3512857148"/>
-      </p:ext>
-    </p:extLst>
-  </p:cSld>
-  <p:clrMapOvr>
-    <a:masterClrMapping/>
-  </p:clrMapOvr>
-</p:sld>
-</file>
-
-<file path=ppt/slides/slide9.xml><?xml version="1.0" encoding="utf-8"?>
-<p:sld xmlns:a="http://schemas.openxmlformats.org/drawingml/2006/main" xmlns:r="http://schemas.openxmlformats.org/officeDocument/2006/relationships" xmlns:p="http://schemas.openxmlformats.org/presentationml/2006/main">
-  <p:cSld>
-    <p:spTree>
-      <p:nvGrpSpPr>
-        <p:cNvPr id="1" name=""/>
-        <p:cNvGrpSpPr/>
-        <p:nvPr/>
-      </p:nvGrpSpPr>
-      <p:grpSpPr>
-        <a:xfrm>
-          <a:off x="0" y="0"/>
-          <a:ext cx="0" cy="0"/>
-          <a:chOff x="0" y="0"/>
-          <a:chExt cx="0" cy="0"/>
-        </a:xfrm>
-      </p:grpSpPr>
-      <p:sp>
-        <p:nvSpPr>
-          <p:cNvPr id="2" name="Title 1">
-            <a:extLst>
-              <a:ext uri="{FF2B5EF4-FFF2-40B4-BE49-F238E27FC236}">
-                <a16:creationId xmlns:a16="http://schemas.microsoft.com/office/drawing/2014/main" id="{71C1717C-6692-0568-737C-5F43F14611B5}"/>
-              </a:ext>
-            </a:extLst>
-          </p:cNvPr>
-          <p:cNvSpPr>
-            <a:spLocks noGrp="1"/>
-          </p:cNvSpPr>
-          <p:nvPr>
-            <p:ph type="title"/>
-          </p:nvPr>
-        </p:nvSpPr>
-        <p:spPr/>
-        <p:txBody>
-          <a:bodyPr/>
-          <a:lstStyle/>
-          <a:p>
-            <a:r>
-              <a:rPr lang="en-US" dirty="0"/>
-              <a:t>Lessons and limitations</a:t>
-            </a:r>
-          </a:p>
-        </p:txBody>
-      </p:sp>
-      <p:sp>
-        <p:nvSpPr>
-          <p:cNvPr id="3" name="Content Placeholder 2">
-            <a:extLst>
-              <a:ext uri="{FF2B5EF4-FFF2-40B4-BE49-F238E27FC236}">
-                <a16:creationId xmlns:a16="http://schemas.microsoft.com/office/drawing/2014/main" id="{4426CAA9-5EFA-B4CC-654F-D1B3241141B9}"/>
-              </a:ext>
-            </a:extLst>
-          </p:cNvPr>
-          <p:cNvSpPr>
-            <a:spLocks noGrp="1"/>
-          </p:cNvSpPr>
-          <p:nvPr>
-            <p:ph idx="1"/>
-          </p:nvPr>
-        </p:nvSpPr>
-        <p:spPr/>
-        <p:txBody>
-          <a:bodyPr/>
-          <a:lstStyle/>
-          <a:p>
-            <a:r>
-              <a:rPr lang="en-US" dirty="0"/>
-              <a:t>Interactive User Interface</a:t>
-            </a:r>
-          </a:p>
-          <a:p>
-            <a:r>
-              <a:rPr lang="en-US" dirty="0"/>
-              <a:t>Processing Time</a:t>
-            </a:r>
-          </a:p>
-          <a:p>
-            <a:r>
-              <a:rPr lang="en-US" dirty="0"/>
-              <a:t>Data Formatting</a:t>
-            </a:r>
-          </a:p>
-        </p:txBody>
-      </p:sp>
-    </p:spTree>
-    <p:extLst>
-      <p:ext uri="{BB962C8B-B14F-4D97-AF65-F5344CB8AC3E}">
-        <p14:creationId xmlns:p14="http://schemas.microsoft.com/office/powerpoint/2010/main" val="2161273722"/>
+        <p14:creationId xmlns:p14="http://schemas.microsoft.com/office/powerpoint/2010/main" val="997545981"/>
       </p:ext>
     </p:extLst>
   </p:cSld>

--- a/Final/spaces.pptx
+++ b/Final/spaces.pptx
@@ -5,14 +5,15 @@
     <p:sldMasterId id="2147483648" r:id="rId1"/>
   </p:sldMasterIdLst>
   <p:sldIdLst>
-    <p:sldId id="268" r:id="rId2"/>
-    <p:sldId id="266" r:id="rId3"/>
-    <p:sldId id="267" r:id="rId4"/>
-    <p:sldId id="259" r:id="rId5"/>
-    <p:sldId id="262" r:id="rId6"/>
-    <p:sldId id="260" r:id="rId7"/>
-    <p:sldId id="261" r:id="rId8"/>
-    <p:sldId id="265" r:id="rId9"/>
+    <p:sldId id="269" r:id="rId2"/>
+    <p:sldId id="268" r:id="rId3"/>
+    <p:sldId id="266" r:id="rId4"/>
+    <p:sldId id="267" r:id="rId5"/>
+    <p:sldId id="259" r:id="rId6"/>
+    <p:sldId id="262" r:id="rId7"/>
+    <p:sldId id="260" r:id="rId8"/>
+    <p:sldId id="261" r:id="rId9"/>
+    <p:sldId id="265" r:id="rId10"/>
   </p:sldIdLst>
   <p:sldSz cx="12192000" cy="6858000"/>
   <p:notesSz cx="6858000" cy="9144000"/>
@@ -266,7 +267,7 @@
           <a:p>
             <a:fld id="{0251CBA6-A6DA-0C41-A12A-A469CFF5CB55}" type="datetimeFigureOut">
               <a:rPr lang="en-US" smtClean="0"/>
-              <a:t>4/22/24</a:t>
+              <a:t>4/23/24</a:t>
             </a:fld>
             <a:endParaRPr lang="en-US"/>
           </a:p>
@@ -464,7 +465,7 @@
           <a:p>
             <a:fld id="{0251CBA6-A6DA-0C41-A12A-A469CFF5CB55}" type="datetimeFigureOut">
               <a:rPr lang="en-US" smtClean="0"/>
-              <a:t>4/22/24</a:t>
+              <a:t>4/23/24</a:t>
             </a:fld>
             <a:endParaRPr lang="en-US"/>
           </a:p>
@@ -672,7 +673,7 @@
           <a:p>
             <a:fld id="{0251CBA6-A6DA-0C41-A12A-A469CFF5CB55}" type="datetimeFigureOut">
               <a:rPr lang="en-US" smtClean="0"/>
-              <a:t>4/22/24</a:t>
+              <a:t>4/23/24</a:t>
             </a:fld>
             <a:endParaRPr lang="en-US"/>
           </a:p>
@@ -870,7 +871,7 @@
           <a:p>
             <a:fld id="{0251CBA6-A6DA-0C41-A12A-A469CFF5CB55}" type="datetimeFigureOut">
               <a:rPr lang="en-US" smtClean="0"/>
-              <a:t>4/22/24</a:t>
+              <a:t>4/23/24</a:t>
             </a:fld>
             <a:endParaRPr lang="en-US"/>
           </a:p>
@@ -1145,7 +1146,7 @@
           <a:p>
             <a:fld id="{0251CBA6-A6DA-0C41-A12A-A469CFF5CB55}" type="datetimeFigureOut">
               <a:rPr lang="en-US" smtClean="0"/>
-              <a:t>4/22/24</a:t>
+              <a:t>4/23/24</a:t>
             </a:fld>
             <a:endParaRPr lang="en-US"/>
           </a:p>
@@ -1410,7 +1411,7 @@
           <a:p>
             <a:fld id="{0251CBA6-A6DA-0C41-A12A-A469CFF5CB55}" type="datetimeFigureOut">
               <a:rPr lang="en-US" smtClean="0"/>
-              <a:t>4/22/24</a:t>
+              <a:t>4/23/24</a:t>
             </a:fld>
             <a:endParaRPr lang="en-US"/>
           </a:p>
@@ -1822,7 +1823,7 @@
           <a:p>
             <a:fld id="{0251CBA6-A6DA-0C41-A12A-A469CFF5CB55}" type="datetimeFigureOut">
               <a:rPr lang="en-US" smtClean="0"/>
-              <a:t>4/22/24</a:t>
+              <a:t>4/23/24</a:t>
             </a:fld>
             <a:endParaRPr lang="en-US"/>
           </a:p>
@@ -1963,7 +1964,7 @@
           <a:p>
             <a:fld id="{0251CBA6-A6DA-0C41-A12A-A469CFF5CB55}" type="datetimeFigureOut">
               <a:rPr lang="en-US" smtClean="0"/>
-              <a:t>4/22/24</a:t>
+              <a:t>4/23/24</a:t>
             </a:fld>
             <a:endParaRPr lang="en-US"/>
           </a:p>
@@ -2076,7 +2077,7 @@
           <a:p>
             <a:fld id="{0251CBA6-A6DA-0C41-A12A-A469CFF5CB55}" type="datetimeFigureOut">
               <a:rPr lang="en-US" smtClean="0"/>
-              <a:t>4/22/24</a:t>
+              <a:t>4/23/24</a:t>
             </a:fld>
             <a:endParaRPr lang="en-US"/>
           </a:p>
@@ -2387,7 +2388,7 @@
           <a:p>
             <a:fld id="{0251CBA6-A6DA-0C41-A12A-A469CFF5CB55}" type="datetimeFigureOut">
               <a:rPr lang="en-US" smtClean="0"/>
-              <a:t>4/22/24</a:t>
+              <a:t>4/23/24</a:t>
             </a:fld>
             <a:endParaRPr lang="en-US"/>
           </a:p>
@@ -2675,7 +2676,7 @@
           <a:p>
             <a:fld id="{0251CBA6-A6DA-0C41-A12A-A469CFF5CB55}" type="datetimeFigureOut">
               <a:rPr lang="en-US" smtClean="0"/>
-              <a:t>4/22/24</a:t>
+              <a:t>4/23/24</a:t>
             </a:fld>
             <a:endParaRPr lang="en-US"/>
           </a:p>
@@ -2916,7 +2917,7 @@
           <a:p>
             <a:fld id="{0251CBA6-A6DA-0C41-A12A-A469CFF5CB55}" type="datetimeFigureOut">
               <a:rPr lang="en-US" smtClean="0"/>
-              <a:t>4/22/24</a:t>
+              <a:t>4/23/24</a:t>
             </a:fld>
             <a:endParaRPr lang="en-US"/>
           </a:p>
@@ -3338,6 +3339,177 @@
           <p:cNvPr id="2" name="Title 1">
             <a:extLst>
               <a:ext uri="{FF2B5EF4-FFF2-40B4-BE49-F238E27FC236}">
+                <a16:creationId xmlns:a16="http://schemas.microsoft.com/office/drawing/2014/main" id="{E895FDEB-C59F-1027-5443-438AFD507052}"/>
+              </a:ext>
+            </a:extLst>
+          </p:cNvPr>
+          <p:cNvSpPr>
+            <a:spLocks noGrp="1"/>
+          </p:cNvSpPr>
+          <p:nvPr>
+            <p:ph type="title"/>
+          </p:nvPr>
+        </p:nvSpPr>
+        <p:spPr/>
+        <p:txBody>
+          <a:bodyPr/>
+          <a:lstStyle/>
+          <a:p>
+            <a:r>
+              <a:rPr lang="en-US" dirty="0"/>
+              <a:t> </a:t>
+            </a:r>
+          </a:p>
+        </p:txBody>
+      </p:sp>
+      <p:sp>
+        <p:nvSpPr>
+          <p:cNvPr id="3" name="Content Placeholder 2">
+            <a:extLst>
+              <a:ext uri="{FF2B5EF4-FFF2-40B4-BE49-F238E27FC236}">
+                <a16:creationId xmlns:a16="http://schemas.microsoft.com/office/drawing/2014/main" id="{0F5089E2-10DA-D348-EF88-39FB3740FFA0}"/>
+              </a:ext>
+            </a:extLst>
+          </p:cNvPr>
+          <p:cNvSpPr>
+            <a:spLocks noGrp="1"/>
+          </p:cNvSpPr>
+          <p:nvPr>
+            <p:ph idx="1"/>
+          </p:nvPr>
+        </p:nvSpPr>
+        <p:spPr>
+          <a:xfrm>
+            <a:off x="838200" y="1027906"/>
+            <a:ext cx="10515600" cy="4351338"/>
+          </a:xfrm>
+        </p:spPr>
+        <p:txBody>
+          <a:bodyPr>
+            <a:normAutofit fontScale="55000" lnSpcReduction="20000"/>
+          </a:bodyPr>
+          <a:lstStyle/>
+          <a:p>
+            <a:r>
+              <a:rPr lang="en-US" dirty="0"/>
+              <a:t>Now I will introduce our development in hugging face. In the hugging face, we Create organization for our team, and then we uploaded the model we trained and create an </a:t>
+            </a:r>
+            <a:r>
+              <a:rPr lang="en-US" dirty="0" err="1"/>
+              <a:t>streamlit</a:t>
+            </a:r>
+            <a:r>
+              <a:rPr lang="en-US" dirty="0"/>
+              <a:t> app in the space to leverage the model, it is an easy interactive user interface , but it takes over three </a:t>
+            </a:r>
+            <a:r>
+              <a:rPr lang="en-US" dirty="0" err="1"/>
+              <a:t>miniutes</a:t>
+            </a:r>
+            <a:r>
+              <a:rPr lang="en-US" dirty="0"/>
+              <a:t> to finish running the model in the space, so we have some screen shots to demo this. </a:t>
+            </a:r>
+          </a:p>
+          <a:p>
+            <a:endParaRPr lang="en-US" dirty="0"/>
+          </a:p>
+          <a:p>
+            <a:r>
+              <a:rPr lang="en-US" dirty="0"/>
+              <a:t>start the app, it will show an input container, and a "clear" button. </a:t>
+            </a:r>
+          </a:p>
+          <a:p>
+            <a:endParaRPr lang="en-US" dirty="0"/>
+          </a:p>
+          <a:p>
+            <a:r>
+              <a:rPr lang="en-US" dirty="0"/>
+              <a:t>in input container, user input product/gender/profession/hobby, and then click "submit"  button, </a:t>
+            </a:r>
+          </a:p>
+          <a:p>
+            <a:endParaRPr lang="en-US" dirty="0"/>
+          </a:p>
+          <a:p>
+            <a:r>
+              <a:rPr lang="en-US" dirty="0"/>
+              <a:t>wait for </a:t>
+            </a:r>
+            <a:r>
+              <a:rPr lang="en-US" dirty="0" err="1"/>
+              <a:t>miniutes</a:t>
+            </a:r>
+            <a:r>
+              <a:rPr lang="en-US" dirty="0"/>
+              <a:t>, </a:t>
+            </a:r>
+          </a:p>
+          <a:p>
+            <a:endParaRPr lang="en-US" dirty="0"/>
+          </a:p>
+          <a:p>
+            <a:r>
+              <a:rPr lang="en-US" dirty="0"/>
+              <a:t>it will show another output container which shows both the user input and the email generated by the model, </a:t>
+            </a:r>
+          </a:p>
+          <a:p>
+            <a:endParaRPr lang="en-US" dirty="0"/>
+          </a:p>
+          <a:p>
+            <a:r>
+              <a:rPr lang="en-US" dirty="0"/>
+              <a:t>then click "clear" button, it will clear the output container, </a:t>
+            </a:r>
+          </a:p>
+          <a:p>
+            <a:endParaRPr lang="en-US" dirty="0"/>
+          </a:p>
+          <a:p>
+            <a:r>
+              <a:rPr lang="en-US" dirty="0"/>
+              <a:t>user can retry.</a:t>
+            </a:r>
+          </a:p>
+        </p:txBody>
+      </p:sp>
+    </p:spTree>
+    <p:extLst>
+      <p:ext uri="{BB962C8B-B14F-4D97-AF65-F5344CB8AC3E}">
+        <p14:creationId xmlns:p14="http://schemas.microsoft.com/office/powerpoint/2010/main" val="3502953069"/>
+      </p:ext>
+    </p:extLst>
+  </p:cSld>
+  <p:clrMapOvr>
+    <a:masterClrMapping/>
+  </p:clrMapOvr>
+</p:sld>
+</file>
+
+<file path=ppt/slides/slide2.xml><?xml version="1.0" encoding="utf-8"?>
+<p:sld xmlns:a="http://schemas.openxmlformats.org/drawingml/2006/main" xmlns:r="http://schemas.openxmlformats.org/officeDocument/2006/relationships" xmlns:p="http://schemas.openxmlformats.org/presentationml/2006/main">
+  <p:cSld>
+    <p:spTree>
+      <p:nvGrpSpPr>
+        <p:cNvPr id="1" name=""/>
+        <p:cNvGrpSpPr/>
+        <p:nvPr/>
+      </p:nvGrpSpPr>
+      <p:grpSpPr>
+        <a:xfrm>
+          <a:off x="0" y="0"/>
+          <a:ext cx="0" cy="0"/>
+          <a:chOff x="0" y="0"/>
+          <a:chExt cx="0" cy="0"/>
+        </a:xfrm>
+      </p:grpSpPr>
+      <p:sp>
+        <p:nvSpPr>
+          <p:cNvPr id="2" name="Title 1">
+            <a:extLst>
+              <a:ext uri="{FF2B5EF4-FFF2-40B4-BE49-F238E27FC236}">
                 <a16:creationId xmlns:a16="http://schemas.microsoft.com/office/drawing/2014/main" id="{5D9EBE9A-9FED-A770-10CE-04EE4B98FF71}"/>
               </a:ext>
             </a:extLst>
@@ -3403,90 +3575,6 @@
 </p:sld>
 </file>
 
-<file path=ppt/slides/slide2.xml><?xml version="1.0" encoding="utf-8"?>
-<p:sld xmlns:a="http://schemas.openxmlformats.org/drawingml/2006/main" xmlns:r="http://schemas.openxmlformats.org/officeDocument/2006/relationships" xmlns:p="http://schemas.openxmlformats.org/presentationml/2006/main">
-  <p:cSld>
-    <p:spTree>
-      <p:nvGrpSpPr>
-        <p:cNvPr id="1" name=""/>
-        <p:cNvGrpSpPr/>
-        <p:nvPr/>
-      </p:nvGrpSpPr>
-      <p:grpSpPr>
-        <a:xfrm>
-          <a:off x="0" y="0"/>
-          <a:ext cx="0" cy="0"/>
-          <a:chOff x="0" y="0"/>
-          <a:chExt cx="0" cy="0"/>
-        </a:xfrm>
-      </p:grpSpPr>
-      <p:sp>
-        <p:nvSpPr>
-          <p:cNvPr id="2" name="Title 1">
-            <a:extLst>
-              <a:ext uri="{FF2B5EF4-FFF2-40B4-BE49-F238E27FC236}">
-                <a16:creationId xmlns:a16="http://schemas.microsoft.com/office/drawing/2014/main" id="{3C8A2125-83EE-A693-7CFC-A402582A849A}"/>
-              </a:ext>
-            </a:extLst>
-          </p:cNvPr>
-          <p:cNvSpPr>
-            <a:spLocks noGrp="1"/>
-          </p:cNvSpPr>
-          <p:nvPr>
-            <p:ph type="title"/>
-          </p:nvPr>
-        </p:nvSpPr>
-        <p:spPr/>
-        <p:txBody>
-          <a:bodyPr/>
-          <a:lstStyle/>
-          <a:p>
-            <a:endParaRPr lang="en-US"/>
-          </a:p>
-        </p:txBody>
-      </p:sp>
-      <p:pic>
-        <p:nvPicPr>
-          <p:cNvPr id="5" name="Content Placeholder 4" descr="A screenshot of a computer&#10;&#10;Description automatically generated">
-            <a:extLst>
-              <a:ext uri="{FF2B5EF4-FFF2-40B4-BE49-F238E27FC236}">
-                <a16:creationId xmlns:a16="http://schemas.microsoft.com/office/drawing/2014/main" id="{CA5A3ADD-E13E-B2F1-EB2C-624485B9B6F8}"/>
-              </a:ext>
-            </a:extLst>
-          </p:cNvPr>
-          <p:cNvPicPr>
-            <a:picLocks noGrp="1" noChangeAspect="1"/>
-          </p:cNvPicPr>
-          <p:nvPr>
-            <p:ph idx="1"/>
-          </p:nvPr>
-        </p:nvPicPr>
-        <p:blipFill>
-          <a:blip r:embed="rId2"/>
-          <a:stretch>
-            <a:fillRect/>
-          </a:stretch>
-        </p:blipFill>
-        <p:spPr>
-          <a:xfrm>
-            <a:off x="633526" y="291553"/>
-            <a:ext cx="11284361" cy="5811838"/>
-          </a:xfrm>
-        </p:spPr>
-      </p:pic>
-    </p:spTree>
-    <p:extLst>
-      <p:ext uri="{BB962C8B-B14F-4D97-AF65-F5344CB8AC3E}">
-        <p14:creationId xmlns:p14="http://schemas.microsoft.com/office/powerpoint/2010/main" val="2520081511"/>
-      </p:ext>
-    </p:extLst>
-  </p:cSld>
-  <p:clrMapOvr>
-    <a:masterClrMapping/>
-  </p:clrMapOvr>
-</p:sld>
-</file>
-
 <file path=ppt/slides/slide3.xml><?xml version="1.0" encoding="utf-8"?>
 <p:sld xmlns:a="http://schemas.openxmlformats.org/drawingml/2006/main" xmlns:r="http://schemas.openxmlformats.org/officeDocument/2006/relationships" xmlns:p="http://schemas.openxmlformats.org/presentationml/2006/main">
   <p:cSld>
@@ -3509,7 +3597,7 @@
           <p:cNvPr id="2" name="Title 1">
             <a:extLst>
               <a:ext uri="{FF2B5EF4-FFF2-40B4-BE49-F238E27FC236}">
-                <a16:creationId xmlns:a16="http://schemas.microsoft.com/office/drawing/2014/main" id="{454ECCA0-F9A7-E3E3-E6C3-A591850DB476}"/>
+                <a16:creationId xmlns:a16="http://schemas.microsoft.com/office/drawing/2014/main" id="{3C8A2125-83EE-A693-7CFC-A402582A849A}"/>
               </a:ext>
             </a:extLst>
           </p:cNvPr>
@@ -3525,16 +3613,16 @@
           <a:bodyPr/>
           <a:lstStyle/>
           <a:p>
-            <a:endParaRPr lang="en-US"/>
+            <a:endParaRPr lang="en-US" dirty="0"/>
           </a:p>
         </p:txBody>
       </p:sp>
       <p:pic>
         <p:nvPicPr>
-          <p:cNvPr id="9" name="Content Placeholder 8" descr="A screenshot of a computer&#10;&#10;Description automatically generated">
-            <a:extLst>
-              <a:ext uri="{FF2B5EF4-FFF2-40B4-BE49-F238E27FC236}">
-                <a16:creationId xmlns:a16="http://schemas.microsoft.com/office/drawing/2014/main" id="{D6818EEE-E0E4-895C-0216-6779A7731197}"/>
+          <p:cNvPr id="5" name="Content Placeholder 4" descr="A screenshot of a computer&#10;&#10;Description automatically generated">
+            <a:extLst>
+              <a:ext uri="{FF2B5EF4-FFF2-40B4-BE49-F238E27FC236}">
+                <a16:creationId xmlns:a16="http://schemas.microsoft.com/office/drawing/2014/main" id="{CA5A3ADD-E13E-B2F1-EB2C-624485B9B6F8}"/>
               </a:ext>
             </a:extLst>
           </p:cNvPr>
@@ -3553,15 +3641,62 @@
         </p:blipFill>
         <p:spPr>
           <a:xfrm>
-            <a:off x="568923" y="365125"/>
-            <a:ext cx="11230916" cy="5688834"/>
+            <a:off x="776377" y="365125"/>
+            <a:ext cx="11141510" cy="5738265"/>
           </a:xfrm>
         </p:spPr>
       </p:pic>
+      <p:sp>
+        <p:nvSpPr>
+          <p:cNvPr id="3" name="Rectangle 2">
+            <a:extLst>
+              <a:ext uri="{FF2B5EF4-FFF2-40B4-BE49-F238E27FC236}">
+                <a16:creationId xmlns:a16="http://schemas.microsoft.com/office/drawing/2014/main" id="{84C3B677-9ED2-8970-1630-A9A48FDE702C}"/>
+              </a:ext>
+            </a:extLst>
+          </p:cNvPr>
+          <p:cNvSpPr/>
+          <p:nvPr/>
+        </p:nvSpPr>
+        <p:spPr>
+          <a:xfrm>
+            <a:off x="378372" y="1135117"/>
+            <a:ext cx="1818290" cy="704193"/>
+          </a:xfrm>
+          <a:prstGeom prst="rect">
+            <a:avLst/>
+          </a:prstGeom>
+        </p:spPr>
+        <p:style>
+          <a:lnRef idx="2">
+            <a:schemeClr val="accent6"/>
+          </a:lnRef>
+          <a:fillRef idx="1">
+            <a:schemeClr val="lt1"/>
+          </a:fillRef>
+          <a:effectRef idx="0">
+            <a:schemeClr val="accent6"/>
+          </a:effectRef>
+          <a:fontRef idx="minor">
+            <a:schemeClr val="dk1"/>
+          </a:fontRef>
+        </p:style>
+        <p:txBody>
+          <a:bodyPr rtlCol="0" anchor="ctr"/>
+          <a:lstStyle/>
+          <a:p>
+            <a:pPr algn="ctr"/>
+            <a:r>
+              <a:rPr lang="en-US" dirty="0"/>
+              <a:t>Start the app</a:t>
+            </a:r>
+          </a:p>
+        </p:txBody>
+      </p:sp>
     </p:spTree>
     <p:extLst>
       <p:ext uri="{BB962C8B-B14F-4D97-AF65-F5344CB8AC3E}">
-        <p14:creationId xmlns:p14="http://schemas.microsoft.com/office/powerpoint/2010/main" val="296051744"/>
+        <p14:creationId xmlns:p14="http://schemas.microsoft.com/office/powerpoint/2010/main" val="2520081511"/>
       </p:ext>
     </p:extLst>
   </p:cSld>
@@ -3593,7 +3728,7 @@
           <p:cNvPr id="2" name="Title 1">
             <a:extLst>
               <a:ext uri="{FF2B5EF4-FFF2-40B4-BE49-F238E27FC236}">
-                <a16:creationId xmlns:a16="http://schemas.microsoft.com/office/drawing/2014/main" id="{A4E064D3-55FD-670A-C76B-4342F1B16C5F}"/>
+                <a16:creationId xmlns:a16="http://schemas.microsoft.com/office/drawing/2014/main" id="{454ECCA0-F9A7-E3E3-E6C3-A591850DB476}"/>
               </a:ext>
             </a:extLst>
           </p:cNvPr>
@@ -3609,19 +3744,16 @@
           <a:bodyPr/>
           <a:lstStyle/>
           <a:p>
-            <a:r>
-              <a:rPr lang="en-US" dirty="0"/>
-              <a:t>  </a:t>
-            </a:r>
+            <a:endParaRPr lang="en-US"/>
           </a:p>
         </p:txBody>
       </p:sp>
       <p:pic>
         <p:nvPicPr>
-          <p:cNvPr id="11" name="Content Placeholder 10" descr="A screenshot of a computer&#10;&#10;Description automatically generated">
-            <a:extLst>
-              <a:ext uri="{FF2B5EF4-FFF2-40B4-BE49-F238E27FC236}">
-                <a16:creationId xmlns:a16="http://schemas.microsoft.com/office/drawing/2014/main" id="{5552F13F-78E9-B1EA-F371-03BD0B768695}"/>
+          <p:cNvPr id="9" name="Content Placeholder 8" descr="A screenshot of a computer&#10;&#10;Description automatically generated">
+            <a:extLst>
+              <a:ext uri="{FF2B5EF4-FFF2-40B4-BE49-F238E27FC236}">
+                <a16:creationId xmlns:a16="http://schemas.microsoft.com/office/drawing/2014/main" id="{D6818EEE-E0E4-895C-0216-6779A7731197}"/>
               </a:ext>
             </a:extLst>
           </p:cNvPr>
@@ -3640,15 +3772,62 @@
         </p:blipFill>
         <p:spPr>
           <a:xfrm>
-            <a:off x="831167" y="599089"/>
-            <a:ext cx="9915623" cy="5325625"/>
+            <a:off x="568923" y="365125"/>
+            <a:ext cx="11230916" cy="5688834"/>
           </a:xfrm>
         </p:spPr>
       </p:pic>
+      <p:sp>
+        <p:nvSpPr>
+          <p:cNvPr id="3" name="Rectangle 2">
+            <a:extLst>
+              <a:ext uri="{FF2B5EF4-FFF2-40B4-BE49-F238E27FC236}">
+                <a16:creationId xmlns:a16="http://schemas.microsoft.com/office/drawing/2014/main" id="{4FF14E4A-9407-201D-E9DC-9F8786D805E8}"/>
+              </a:ext>
+            </a:extLst>
+          </p:cNvPr>
+          <p:cNvSpPr/>
+          <p:nvPr/>
+        </p:nvSpPr>
+        <p:spPr>
+          <a:xfrm>
+            <a:off x="388883" y="1303283"/>
+            <a:ext cx="1513489" cy="662151"/>
+          </a:xfrm>
+          <a:prstGeom prst="rect">
+            <a:avLst/>
+          </a:prstGeom>
+        </p:spPr>
+        <p:style>
+          <a:lnRef idx="2">
+            <a:schemeClr val="accent6"/>
+          </a:lnRef>
+          <a:fillRef idx="1">
+            <a:schemeClr val="lt1"/>
+          </a:fillRef>
+          <a:effectRef idx="0">
+            <a:schemeClr val="accent6"/>
+          </a:effectRef>
+          <a:fontRef idx="minor">
+            <a:schemeClr val="dk1"/>
+          </a:fontRef>
+        </p:style>
+        <p:txBody>
+          <a:bodyPr rtlCol="0" anchor="ctr"/>
+          <a:lstStyle/>
+          <a:p>
+            <a:pPr algn="ctr"/>
+            <a:r>
+              <a:rPr lang="en-US" dirty="0"/>
+              <a:t>User input</a:t>
+            </a:r>
+          </a:p>
+        </p:txBody>
+      </p:sp>
     </p:spTree>
     <p:extLst>
       <p:ext uri="{BB962C8B-B14F-4D97-AF65-F5344CB8AC3E}">
-        <p14:creationId xmlns:p14="http://schemas.microsoft.com/office/powerpoint/2010/main" val="2572717682"/>
+        <p14:creationId xmlns:p14="http://schemas.microsoft.com/office/powerpoint/2010/main" val="296051744"/>
       </p:ext>
     </p:extLst>
   </p:cSld>
@@ -3680,7 +3859,7 @@
           <p:cNvPr id="2" name="Title 1">
             <a:extLst>
               <a:ext uri="{FF2B5EF4-FFF2-40B4-BE49-F238E27FC236}">
-                <a16:creationId xmlns:a16="http://schemas.microsoft.com/office/drawing/2014/main" id="{CA03DBCE-7583-29F7-BC3D-7E17442D8CAA}"/>
+                <a16:creationId xmlns:a16="http://schemas.microsoft.com/office/drawing/2014/main" id="{A4E064D3-55FD-670A-C76B-4342F1B16C5F}"/>
               </a:ext>
             </a:extLst>
           </p:cNvPr>
@@ -3698,7 +3877,7 @@
           <a:p>
             <a:r>
               <a:rPr lang="en-US" dirty="0"/>
-              <a:t> </a:t>
+              <a:t>  </a:t>
             </a:r>
           </a:p>
         </p:txBody>
@@ -3708,7 +3887,7 @@
           <p:cNvPr id="11" name="Content Placeholder 10" descr="A screenshot of a computer&#10;&#10;Description automatically generated">
             <a:extLst>
               <a:ext uri="{FF2B5EF4-FFF2-40B4-BE49-F238E27FC236}">
-                <a16:creationId xmlns:a16="http://schemas.microsoft.com/office/drawing/2014/main" id="{2215C965-6303-0762-6AFC-AD89C718B4DB}"/>
+                <a16:creationId xmlns:a16="http://schemas.microsoft.com/office/drawing/2014/main" id="{5552F13F-78E9-B1EA-F371-03BD0B768695}"/>
               </a:ext>
             </a:extLst>
           </p:cNvPr>
@@ -3727,15 +3906,62 @@
         </p:blipFill>
         <p:spPr>
           <a:xfrm>
-            <a:off x="458169" y="365125"/>
-            <a:ext cx="11275661" cy="5811838"/>
+            <a:off x="831167" y="599089"/>
+            <a:ext cx="9915623" cy="5325625"/>
           </a:xfrm>
         </p:spPr>
       </p:pic>
+      <p:sp>
+        <p:nvSpPr>
+          <p:cNvPr id="3" name="Rectangle 2">
+            <a:extLst>
+              <a:ext uri="{FF2B5EF4-FFF2-40B4-BE49-F238E27FC236}">
+                <a16:creationId xmlns:a16="http://schemas.microsoft.com/office/drawing/2014/main" id="{50F4C746-A723-B6D2-CEAF-80279AE8A445}"/>
+              </a:ext>
+            </a:extLst>
+          </p:cNvPr>
+          <p:cNvSpPr/>
+          <p:nvPr/>
+        </p:nvSpPr>
+        <p:spPr>
+          <a:xfrm>
+            <a:off x="430924" y="1429407"/>
+            <a:ext cx="1818290" cy="630621"/>
+          </a:xfrm>
+          <a:prstGeom prst="rect">
+            <a:avLst/>
+          </a:prstGeom>
+        </p:spPr>
+        <p:style>
+          <a:lnRef idx="2">
+            <a:schemeClr val="accent6"/>
+          </a:lnRef>
+          <a:fillRef idx="1">
+            <a:schemeClr val="lt1"/>
+          </a:fillRef>
+          <a:effectRef idx="0">
+            <a:schemeClr val="accent6"/>
+          </a:effectRef>
+          <a:fontRef idx="minor">
+            <a:schemeClr val="dk1"/>
+          </a:fontRef>
+        </p:style>
+        <p:txBody>
+          <a:bodyPr rtlCol="0" anchor="ctr"/>
+          <a:lstStyle/>
+          <a:p>
+            <a:pPr algn="ctr"/>
+            <a:r>
+              <a:rPr lang="en-US" dirty="0"/>
+              <a:t>Wait for minutes</a:t>
+            </a:r>
+          </a:p>
+        </p:txBody>
+      </p:sp>
     </p:spTree>
     <p:extLst>
       <p:ext uri="{BB962C8B-B14F-4D97-AF65-F5344CB8AC3E}">
-        <p14:creationId xmlns:p14="http://schemas.microsoft.com/office/powerpoint/2010/main" val="3512857148"/>
+        <p14:creationId xmlns:p14="http://schemas.microsoft.com/office/powerpoint/2010/main" val="2572717682"/>
       </p:ext>
     </p:extLst>
   </p:cSld>
@@ -3767,7 +3993,7 @@
           <p:cNvPr id="2" name="Title 1">
             <a:extLst>
               <a:ext uri="{FF2B5EF4-FFF2-40B4-BE49-F238E27FC236}">
-                <a16:creationId xmlns:a16="http://schemas.microsoft.com/office/drawing/2014/main" id="{29355BEB-009F-8389-F4E9-A88A6E184409}"/>
+                <a16:creationId xmlns:a16="http://schemas.microsoft.com/office/drawing/2014/main" id="{CA03DBCE-7583-29F7-BC3D-7E17442D8CAA}"/>
               </a:ext>
             </a:extLst>
           </p:cNvPr>
@@ -3785,17 +4011,17 @@
           <a:p>
             <a:r>
               <a:rPr lang="en-US" dirty="0"/>
-              <a:t>  </a:t>
+              <a:t> </a:t>
             </a:r>
           </a:p>
         </p:txBody>
       </p:sp>
       <p:pic>
         <p:nvPicPr>
-          <p:cNvPr id="7" name="Content Placeholder 6" descr="A screenshot of a computer&#10;&#10;Description automatically generated">
-            <a:extLst>
-              <a:ext uri="{FF2B5EF4-FFF2-40B4-BE49-F238E27FC236}">
-                <a16:creationId xmlns:a16="http://schemas.microsoft.com/office/drawing/2014/main" id="{1B6A5BC6-D9EC-8CF4-5658-63FA39AFA593}"/>
+          <p:cNvPr id="11" name="Content Placeholder 10" descr="A screenshot of a computer&#10;&#10;Description automatically generated">
+            <a:extLst>
+              <a:ext uri="{FF2B5EF4-FFF2-40B4-BE49-F238E27FC236}">
+                <a16:creationId xmlns:a16="http://schemas.microsoft.com/office/drawing/2014/main" id="{2215C965-6303-0762-6AFC-AD89C718B4DB}"/>
               </a:ext>
             </a:extLst>
           </p:cNvPr>
@@ -3814,15 +4040,62 @@
         </p:blipFill>
         <p:spPr>
           <a:xfrm>
-            <a:off x="838200" y="459280"/>
-            <a:ext cx="10748756" cy="5647231"/>
+            <a:off x="458169" y="365125"/>
+            <a:ext cx="11275661" cy="5811838"/>
           </a:xfrm>
         </p:spPr>
       </p:pic>
+      <p:sp>
+        <p:nvSpPr>
+          <p:cNvPr id="3" name="Rectangle 2">
+            <a:extLst>
+              <a:ext uri="{FF2B5EF4-FFF2-40B4-BE49-F238E27FC236}">
+                <a16:creationId xmlns:a16="http://schemas.microsoft.com/office/drawing/2014/main" id="{0CFF7E41-7915-3689-DD2E-8D055AB80FED}"/>
+              </a:ext>
+            </a:extLst>
+          </p:cNvPr>
+          <p:cNvSpPr/>
+          <p:nvPr/>
+        </p:nvSpPr>
+        <p:spPr>
+          <a:xfrm>
+            <a:off x="367863" y="1282263"/>
+            <a:ext cx="1261241" cy="546538"/>
+          </a:xfrm>
+          <a:prstGeom prst="rect">
+            <a:avLst/>
+          </a:prstGeom>
+        </p:spPr>
+        <p:style>
+          <a:lnRef idx="2">
+            <a:schemeClr val="accent6"/>
+          </a:lnRef>
+          <a:fillRef idx="1">
+            <a:schemeClr val="lt1"/>
+          </a:fillRef>
+          <a:effectRef idx="0">
+            <a:schemeClr val="accent6"/>
+          </a:effectRef>
+          <a:fontRef idx="minor">
+            <a:schemeClr val="dk1"/>
+          </a:fontRef>
+        </p:style>
+        <p:txBody>
+          <a:bodyPr rtlCol="0" anchor="ctr"/>
+          <a:lstStyle/>
+          <a:p>
+            <a:pPr algn="ctr"/>
+            <a:r>
+              <a:rPr lang="en-US" dirty="0"/>
+              <a:t>Output</a:t>
+            </a:r>
+          </a:p>
+        </p:txBody>
+      </p:sp>
     </p:spTree>
     <p:extLst>
       <p:ext uri="{BB962C8B-B14F-4D97-AF65-F5344CB8AC3E}">
-        <p14:creationId xmlns:p14="http://schemas.microsoft.com/office/powerpoint/2010/main" val="1635698805"/>
+        <p14:creationId xmlns:p14="http://schemas.microsoft.com/office/powerpoint/2010/main" val="3512857148"/>
       </p:ext>
     </p:extLst>
   </p:cSld>
@@ -3854,6 +4127,140 @@
           <p:cNvPr id="2" name="Title 1">
             <a:extLst>
               <a:ext uri="{FF2B5EF4-FFF2-40B4-BE49-F238E27FC236}">
+                <a16:creationId xmlns:a16="http://schemas.microsoft.com/office/drawing/2014/main" id="{29355BEB-009F-8389-F4E9-A88A6E184409}"/>
+              </a:ext>
+            </a:extLst>
+          </p:cNvPr>
+          <p:cNvSpPr>
+            <a:spLocks noGrp="1"/>
+          </p:cNvSpPr>
+          <p:nvPr>
+            <p:ph type="title"/>
+          </p:nvPr>
+        </p:nvSpPr>
+        <p:spPr/>
+        <p:txBody>
+          <a:bodyPr/>
+          <a:lstStyle/>
+          <a:p>
+            <a:r>
+              <a:rPr lang="en-US" dirty="0"/>
+              <a:t>  </a:t>
+            </a:r>
+          </a:p>
+        </p:txBody>
+      </p:sp>
+      <p:pic>
+        <p:nvPicPr>
+          <p:cNvPr id="7" name="Content Placeholder 6" descr="A screenshot of a computer&#10;&#10;Description automatically generated">
+            <a:extLst>
+              <a:ext uri="{FF2B5EF4-FFF2-40B4-BE49-F238E27FC236}">
+                <a16:creationId xmlns:a16="http://schemas.microsoft.com/office/drawing/2014/main" id="{1B6A5BC6-D9EC-8CF4-5658-63FA39AFA593}"/>
+              </a:ext>
+            </a:extLst>
+          </p:cNvPr>
+          <p:cNvPicPr>
+            <a:picLocks noGrp="1" noChangeAspect="1"/>
+          </p:cNvPicPr>
+          <p:nvPr>
+            <p:ph idx="1"/>
+          </p:nvPr>
+        </p:nvPicPr>
+        <p:blipFill>
+          <a:blip r:embed="rId2"/>
+          <a:stretch>
+            <a:fillRect/>
+          </a:stretch>
+        </p:blipFill>
+        <p:spPr>
+          <a:xfrm>
+            <a:off x="838200" y="459280"/>
+            <a:ext cx="10748756" cy="5647231"/>
+          </a:xfrm>
+        </p:spPr>
+      </p:pic>
+      <p:sp>
+        <p:nvSpPr>
+          <p:cNvPr id="3" name="Rectangle 2">
+            <a:extLst>
+              <a:ext uri="{FF2B5EF4-FFF2-40B4-BE49-F238E27FC236}">
+                <a16:creationId xmlns:a16="http://schemas.microsoft.com/office/drawing/2014/main" id="{801D520F-AF10-C993-8F5A-1BF956880A14}"/>
+              </a:ext>
+            </a:extLst>
+          </p:cNvPr>
+          <p:cNvSpPr/>
+          <p:nvPr/>
+        </p:nvSpPr>
+        <p:spPr>
+          <a:xfrm>
+            <a:off x="388883" y="1164733"/>
+            <a:ext cx="1376855" cy="620110"/>
+          </a:xfrm>
+          <a:prstGeom prst="rect">
+            <a:avLst/>
+          </a:prstGeom>
+        </p:spPr>
+        <p:style>
+          <a:lnRef idx="2">
+            <a:schemeClr val="accent6"/>
+          </a:lnRef>
+          <a:fillRef idx="1">
+            <a:schemeClr val="lt1"/>
+          </a:fillRef>
+          <a:effectRef idx="0">
+            <a:schemeClr val="accent6"/>
+          </a:effectRef>
+          <a:fontRef idx="minor">
+            <a:schemeClr val="dk1"/>
+          </a:fontRef>
+        </p:style>
+        <p:txBody>
+          <a:bodyPr rtlCol="0" anchor="ctr"/>
+          <a:lstStyle/>
+          <a:p>
+            <a:pPr algn="ctr"/>
+            <a:r>
+              <a:rPr lang="en-US" dirty="0"/>
+              <a:t>Clear</a:t>
+            </a:r>
+          </a:p>
+        </p:txBody>
+      </p:sp>
+    </p:spTree>
+    <p:extLst>
+      <p:ext uri="{BB962C8B-B14F-4D97-AF65-F5344CB8AC3E}">
+        <p14:creationId xmlns:p14="http://schemas.microsoft.com/office/powerpoint/2010/main" val="1635698805"/>
+      </p:ext>
+    </p:extLst>
+  </p:cSld>
+  <p:clrMapOvr>
+    <a:masterClrMapping/>
+  </p:clrMapOvr>
+</p:sld>
+</file>
+
+<file path=ppt/slides/slide8.xml><?xml version="1.0" encoding="utf-8"?>
+<p:sld xmlns:a="http://schemas.openxmlformats.org/drawingml/2006/main" xmlns:r="http://schemas.openxmlformats.org/officeDocument/2006/relationships" xmlns:p="http://schemas.openxmlformats.org/presentationml/2006/main">
+  <p:cSld>
+    <p:spTree>
+      <p:nvGrpSpPr>
+        <p:cNvPr id="1" name=""/>
+        <p:cNvGrpSpPr/>
+        <p:nvPr/>
+      </p:nvGrpSpPr>
+      <p:grpSpPr>
+        <a:xfrm>
+          <a:off x="0" y="0"/>
+          <a:ext cx="0" cy="0"/>
+          <a:chOff x="0" y="0"/>
+          <a:chExt cx="0" cy="0"/>
+        </a:xfrm>
+      </p:grpSpPr>
+      <p:sp>
+        <p:nvSpPr>
+          <p:cNvPr id="2" name="Title 1">
+            <a:extLst>
+              <a:ext uri="{FF2B5EF4-FFF2-40B4-BE49-F238E27FC236}">
                 <a16:creationId xmlns:a16="http://schemas.microsoft.com/office/drawing/2014/main" id="{5D240084-63A3-B452-327E-31B1AA25C5AC}"/>
               </a:ext>
             </a:extLst>
@@ -3906,6 +4313,53 @@
           </a:xfrm>
         </p:spPr>
       </p:pic>
+      <p:sp>
+        <p:nvSpPr>
+          <p:cNvPr id="3" name="Rectangle 2">
+            <a:extLst>
+              <a:ext uri="{FF2B5EF4-FFF2-40B4-BE49-F238E27FC236}">
+                <a16:creationId xmlns:a16="http://schemas.microsoft.com/office/drawing/2014/main" id="{4099AFC8-F1FF-0826-53F5-FACC6F079983}"/>
+              </a:ext>
+            </a:extLst>
+          </p:cNvPr>
+          <p:cNvSpPr/>
+          <p:nvPr/>
+        </p:nvSpPr>
+        <p:spPr>
+          <a:xfrm>
+            <a:off x="500633" y="1385888"/>
+            <a:ext cx="1282262" cy="609600"/>
+          </a:xfrm>
+          <a:prstGeom prst="rect">
+            <a:avLst/>
+          </a:prstGeom>
+        </p:spPr>
+        <p:style>
+          <a:lnRef idx="2">
+            <a:schemeClr val="accent6"/>
+          </a:lnRef>
+          <a:fillRef idx="1">
+            <a:schemeClr val="lt1"/>
+          </a:fillRef>
+          <a:effectRef idx="0">
+            <a:schemeClr val="accent6"/>
+          </a:effectRef>
+          <a:fontRef idx="minor">
+            <a:schemeClr val="dk1"/>
+          </a:fontRef>
+        </p:style>
+        <p:txBody>
+          <a:bodyPr rtlCol="0" anchor="ctr"/>
+          <a:lstStyle/>
+          <a:p>
+            <a:pPr algn="ctr"/>
+            <a:r>
+              <a:rPr lang="en-US" dirty="0"/>
+              <a:t>Retry</a:t>
+            </a:r>
+          </a:p>
+        </p:txBody>
+      </p:sp>
     </p:spTree>
     <p:extLst>
       <p:ext uri="{BB962C8B-B14F-4D97-AF65-F5344CB8AC3E}">
@@ -3919,7 +4373,7 @@
 </p:sld>
 </file>
 
-<file path=ppt/slides/slide8.xml><?xml version="1.0" encoding="utf-8"?>
+<file path=ppt/slides/slide9.xml><?xml version="1.0" encoding="utf-8"?>
 <p:sld xmlns:a="http://schemas.openxmlformats.org/drawingml/2006/main" xmlns:r="http://schemas.openxmlformats.org/officeDocument/2006/relationships" xmlns:p="http://schemas.openxmlformats.org/presentationml/2006/main">
   <p:cSld>
     <p:spTree>
